--- a/Amogus (веб-приложение).pptx
+++ b/Amogus (веб-приложение).pptx
@@ -287,7 +287,7 @@
             <a:fld id="{87DE6118-2437-4B30-8E3C-4D2BE6020583}" type="datetimeFigureOut">
               <a:rPr lang="en-US" dirty="0"/>
               <a:pPr/>
-              <a:t>4/22/2022</a:t>
+              <a:t>5/12/2022</a:t>
             </a:fld>
             <a:endParaRPr lang="en-US" dirty="0"/>
           </a:p>
@@ -613,7 +613,7 @@
           <a:p>
             <a:fld id="{87DE6118-2437-4B30-8E3C-4D2BE6020583}" type="datetimeFigureOut">
               <a:rPr lang="en-US" dirty="0"/>
-              <a:t>4/22/2022</a:t>
+              <a:t>5/12/2022</a:t>
             </a:fld>
             <a:endParaRPr lang="en-US" dirty="0"/>
           </a:p>
@@ -788,7 +788,7 @@
           <a:p>
             <a:fld id="{87DE6118-2437-4B30-8E3C-4D2BE6020583}" type="datetimeFigureOut">
               <a:rPr lang="en-US" dirty="0"/>
-              <a:t>4/22/2022</a:t>
+              <a:t>5/12/2022</a:t>
             </a:fld>
             <a:endParaRPr lang="en-US" dirty="0"/>
           </a:p>
@@ -953,7 +953,7 @@
           <a:p>
             <a:fld id="{87DE6118-2437-4B30-8E3C-4D2BE6020583}" type="datetimeFigureOut">
               <a:rPr lang="en-US" dirty="0"/>
-              <a:t>4/22/2022</a:t>
+              <a:t>5/12/2022</a:t>
             </a:fld>
             <a:endParaRPr lang="en-US" dirty="0"/>
           </a:p>
@@ -1226,7 +1226,7 @@
             <a:fld id="{87DE6118-2437-4B30-8E3C-4D2BE6020583}" type="datetimeFigureOut">
               <a:rPr lang="en-US" dirty="0"/>
               <a:pPr/>
-              <a:t>4/22/2022</a:t>
+              <a:t>5/12/2022</a:t>
             </a:fld>
             <a:endParaRPr lang="en-US" dirty="0"/>
           </a:p>
@@ -1616,7 +1616,7 @@
           <a:p>
             <a:fld id="{87DE6118-2437-4B30-8E3C-4D2BE6020583}" type="datetimeFigureOut">
               <a:rPr lang="en-US" dirty="0"/>
-              <a:t>4/22/2022</a:t>
+              <a:t>5/12/2022</a:t>
             </a:fld>
             <a:endParaRPr lang="en-US" dirty="0"/>
           </a:p>
@@ -2088,7 +2088,7 @@
           <a:p>
             <a:fld id="{87DE6118-2437-4B30-8E3C-4D2BE6020583}" type="datetimeFigureOut">
               <a:rPr lang="en-US" dirty="0"/>
-              <a:t>4/22/2022</a:t>
+              <a:t>5/12/2022</a:t>
             </a:fld>
             <a:endParaRPr lang="en-US" dirty="0"/>
           </a:p>
@@ -2201,7 +2201,7 @@
           <a:p>
             <a:fld id="{87DE6118-2437-4B30-8E3C-4D2BE6020583}" type="datetimeFigureOut">
               <a:rPr lang="en-US" dirty="0"/>
-              <a:t>4/22/2022</a:t>
+              <a:t>5/12/2022</a:t>
             </a:fld>
             <a:endParaRPr lang="en-US" dirty="0"/>
           </a:p>
@@ -2291,7 +2291,7 @@
           <a:p>
             <a:fld id="{87DE6118-2437-4B30-8E3C-4D2BE6020583}" type="datetimeFigureOut">
               <a:rPr lang="en-US" dirty="0"/>
-              <a:t>4/22/2022</a:t>
+              <a:t>5/12/2022</a:t>
             </a:fld>
             <a:endParaRPr lang="en-US" dirty="0"/>
           </a:p>
@@ -2633,7 +2633,7 @@
             <a:fld id="{87DE6118-2437-4B30-8E3C-4D2BE6020583}" type="datetimeFigureOut">
               <a:rPr lang="en-US" dirty="0"/>
               <a:pPr/>
-              <a:t>4/22/2022</a:t>
+              <a:t>5/12/2022</a:t>
             </a:fld>
             <a:endParaRPr lang="en-US" dirty="0"/>
           </a:p>
@@ -3018,7 +3018,7 @@
             <a:fld id="{87DE6118-2437-4B30-8E3C-4D2BE6020583}" type="datetimeFigureOut">
               <a:rPr lang="en-US" dirty="0"/>
               <a:pPr/>
-              <a:t>4/22/2022</a:t>
+              <a:t>5/12/2022</a:t>
             </a:fld>
             <a:endParaRPr lang="en-US" dirty="0"/>
           </a:p>
@@ -3293,7 +3293,7 @@
             <a:fld id="{87DE6118-2437-4B30-8E3C-4D2BE6020583}" type="datetimeFigureOut">
               <a:rPr lang="en-US" dirty="0"/>
               <a:pPr/>
-              <a:t>4/22/2022</a:t>
+              <a:t>5/12/2022</a:t>
             </a:fld>
             <a:endParaRPr lang="en-US" dirty="0"/>
           </a:p>
@@ -3883,7 +3883,7 @@
           <a:p>
             <a:r>
               <a:rPr lang="ru-RU" dirty="0"/>
-              <a:t>Авторы</a:t>
+              <a:t>			Автор</a:t>
             </a:r>
             <a:r>
               <a:rPr lang="en-US" dirty="0"/>
@@ -3891,7 +3891,7 @@
             </a:r>
             <a:r>
               <a:rPr lang="ru-RU" dirty="0"/>
-              <a:t>Толоконцев Илья, Мясников Иван</a:t>
+              <a:t>Толоконцев Илья</a:t>
             </a:r>
           </a:p>
         </p:txBody>
